--- a/data/tag/Tag-subscription-Presentation.pptx
+++ b/data/tag/Tag-subscription-Presentation.pptx
@@ -10,6 +10,8 @@
     <p:sldId id="258" r:id="rId4"/>
     <p:sldId id="259" r:id="rId5"/>
     <p:sldId id="260" r:id="rId6"/>
+    <p:sldId id="262" r:id="rId7"/>
+    <p:sldId id="261" r:id="rId8"/>
   </p:sldIdLst>
   <p:sldSz cx="12192000" cy="6858000"/>
   <p:notesSz cx="6858000" cy="9144000"/>
@@ -108,7 +110,16 @@
       </a:defRPr>
     </a:lvl9pPr>
   </p:defaultTextStyle>
+  <p:extLst>
+    <p:ext uri="{EFAFB233-063F-42B5-8137-9DF3F51BA10A}">
+      <p15:sldGuideLst xmlns:p15="http://schemas.microsoft.com/office/powerpoint/2012/main"/>
+    </p:ext>
+  </p:extLst>
 </p:presentation>
+</file>
+
+<file path=ppt/revisionInfo.xml><?xml version="1.0" encoding="utf-8"?>
+<p1510:revInfo xmlns:a="http://schemas.openxmlformats.org/drawingml/2006/main" xmlns:r="http://schemas.openxmlformats.org/officeDocument/2006/relationships" xmlns:p1510="http://schemas.microsoft.com/office/powerpoint/2015/10/main"/>
 </file>
 
 <file path=ppt/slideLayouts/slideLayout1.xml><?xml version="1.0" encoding="utf-8"?>
@@ -3430,7 +3441,7 @@
         <p:spPr>
           <a:xfrm>
             <a:off x="1007165" y="2517913"/>
-            <a:ext cx="8666922" cy="923330"/>
+            <a:ext cx="10827026" cy="923330"/>
           </a:xfrm>
           <a:prstGeom prst="rect">
             <a:avLst/>
@@ -3457,23 +3468,23 @@
             </a:pPr>
             <a:r>
               <a:rPr lang="en-US" dirty="0"/>
-              <a:t>UI </a:t>
-            </a:r>
-            <a:r>
-              <a:rPr lang="en-US" dirty="0" err="1"/>
-              <a:t>Capabilites</a:t>
+              <a:t>UI Capabilities </a:t>
+            </a:r>
+            <a:r>
+              <a:rPr lang="en-US" b="1" dirty="0"/>
+              <a:t>[</a:t>
             </a:r>
             <a:r>
               <a:rPr lang="en-US" dirty="0"/>
-              <a:t> [</a:t>
-            </a:r>
-            <a:r>
-              <a:rPr lang="en-US" dirty="0" err="1"/>
-              <a:t>Uplaod</a:t>
+              <a:t>Upload input file/files and download Tag subscription mapping file</a:t>
+            </a:r>
+            <a:r>
+              <a:rPr lang="en-US" b="1" dirty="0"/>
+              <a:t>]</a:t>
             </a:r>
             <a:r>
               <a:rPr lang="en-US" dirty="0"/>
-              <a:t> input file/files and download Tag subscription mapping file]</a:t>
+              <a:t> - Progress</a:t>
             </a:r>
           </a:p>
           <a:p>
@@ -3482,7 +3493,7 @@
             </a:pPr>
             <a:r>
               <a:rPr lang="en-US" dirty="0"/>
-              <a:t>Convert tag subscription mapping CSV to store-layout xml and post in MIF Listener MQ.</a:t>
+              <a:t>Convert tag subscription mapping CSV to store-layout xml and post in MIF Listener MQ. - Progress</a:t>
             </a:r>
           </a:p>
         </p:txBody>
@@ -3912,6 +3923,32 @@
               </a:rPr>
               <a:t>http://phvgpru7.safeway.com:8080/tags/generate-item-loc-mapping</a:t>
             </a:r>
+            <a:endParaRPr lang="en-US" dirty="0"/>
+          </a:p>
+          <a:p>
+            <a:r>
+              <a:rPr lang="en-US" dirty="0"/>
+              <a:t>Application details </a:t>
+            </a:r>
+            <a:r>
+              <a:rPr lang="en-US" dirty="0" err="1"/>
+              <a:t>Avaiable</a:t>
+            </a:r>
+            <a:r>
+              <a:rPr lang="en-US" dirty="0"/>
+              <a:t> at:</a:t>
+            </a:r>
+          </a:p>
+          <a:p>
+            <a:r>
+              <a:rPr lang="en-US" dirty="0">
+                <a:hlinkClick r:id="rId3"/>
+              </a:rPr>
+              <a:t>https://github.com/ebhun851/tag-subscription/blob/master/README.adoc</a:t>
+            </a:r>
+            <a:endParaRPr lang="en-US" dirty="0"/>
+          </a:p>
+          <a:p>
             <a:r>
               <a:rPr lang="en-US" dirty="0"/>
               <a:t> </a:t>
@@ -3923,6 +3960,1049 @@
     <p:extLst>
       <p:ext uri="{BB962C8B-B14F-4D97-AF65-F5344CB8AC3E}">
         <p14:creationId xmlns:p14="http://schemas.microsoft.com/office/powerpoint/2010/main" val="1665195238"/>
+      </p:ext>
+    </p:extLst>
+  </p:cSld>
+  <p:clrMapOvr>
+    <a:masterClrMapping/>
+  </p:clrMapOvr>
+</p:sld>
+</file>
+
+<file path=ppt/slides/slide6.xml><?xml version="1.0" encoding="utf-8"?>
+<p:sld xmlns:a="http://schemas.openxmlformats.org/drawingml/2006/main" xmlns:r="http://schemas.openxmlformats.org/officeDocument/2006/relationships" xmlns:p="http://schemas.openxmlformats.org/presentationml/2006/main">
+  <p:cSld>
+    <p:spTree>
+      <p:nvGrpSpPr>
+        <p:cNvPr id="1" name=""/>
+        <p:cNvGrpSpPr/>
+        <p:nvPr/>
+      </p:nvGrpSpPr>
+      <p:grpSpPr>
+        <a:xfrm>
+          <a:off x="0" y="0"/>
+          <a:ext cx="0" cy="0"/>
+          <a:chOff x="0" y="0"/>
+          <a:chExt cx="0" cy="0"/>
+        </a:xfrm>
+      </p:grpSpPr>
+      <p:sp>
+        <p:nvSpPr>
+          <p:cNvPr id="2" name="Title 1">
+            <a:extLst>
+              <a:ext uri="{FF2B5EF4-FFF2-40B4-BE49-F238E27FC236}">
+                <a16:creationId xmlns:a16="http://schemas.microsoft.com/office/drawing/2014/main" id="{2B6F9C43-0848-4598-BA94-139097CDF396}"/>
+              </a:ext>
+            </a:extLst>
+          </p:cNvPr>
+          <p:cNvSpPr>
+            <a:spLocks noGrp="1"/>
+          </p:cNvSpPr>
+          <p:nvPr>
+            <p:ph type="title"/>
+          </p:nvPr>
+        </p:nvSpPr>
+        <p:spPr/>
+        <p:txBody>
+          <a:bodyPr/>
+          <a:lstStyle/>
+          <a:p>
+            <a:r>
+              <a:rPr lang="en-US" dirty="0"/>
+              <a:t>Deployment process</a:t>
+            </a:r>
+          </a:p>
+        </p:txBody>
+      </p:sp>
+      <p:sp>
+        <p:nvSpPr>
+          <p:cNvPr id="4" name="Rectangle 1">
+            <a:extLst>
+              <a:ext uri="{FF2B5EF4-FFF2-40B4-BE49-F238E27FC236}">
+                <a16:creationId xmlns:a16="http://schemas.microsoft.com/office/drawing/2014/main" id="{3FC4F557-AA63-4C9E-9F39-FFAFD7BC32D1}"/>
+              </a:ext>
+            </a:extLst>
+          </p:cNvPr>
+          <p:cNvSpPr>
+            <a:spLocks noGrp="1" noChangeArrowheads="1"/>
+          </p:cNvSpPr>
+          <p:nvPr>
+            <p:ph idx="1"/>
+          </p:nvPr>
+        </p:nvSpPr>
+        <p:spPr bwMode="auto">
+          <a:xfrm>
+            <a:off x="838200" y="2013273"/>
+            <a:ext cx="9487149" cy="3976043"/>
+          </a:xfrm>
+          <a:prstGeom prst="rect">
+            <a:avLst/>
+          </a:prstGeom>
+          <a:solidFill>
+            <a:srgbClr val="F6F8FA"/>
+          </a:solidFill>
+          <a:ln>
+            <a:noFill/>
+          </a:ln>
+          <a:effectLst/>
+          <a:extLst>
+            <a:ext uri="{91240B29-F687-4F45-9708-019B960494DF}">
+              <a14:hiddenLine xmlns:a14="http://schemas.microsoft.com/office/drawing/2010/main" w="9525">
+                <a:solidFill>
+                  <a:schemeClr val="tx1"/>
+                </a:solidFill>
+                <a:miter lim="800000"/>
+                <a:headEnd/>
+                <a:tailEnd/>
+              </a14:hiddenLine>
+            </a:ext>
+            <a:ext uri="{AF507438-7753-43E0-B8FC-AC1667EBCBE1}">
+              <a14:hiddenEffects xmlns:a14="http://schemas.microsoft.com/office/drawing/2010/main">
+                <a:effectLst>
+                  <a:outerShdw dist="35921" dir="2700000" algn="ctr" rotWithShape="0">
+                    <a:schemeClr val="bg2"/>
+                  </a:outerShdw>
+                </a:effectLst>
+              </a14:hiddenEffects>
+            </a:ext>
+          </a:extLst>
+        </p:spPr>
+        <p:txBody>
+          <a:bodyPr vert="horz" wrap="none" lIns="91440" tIns="0" rIns="91440" bIns="142830" numCol="1" anchor="ctr" anchorCtr="0" compatLnSpc="1">
+            <a:prstTxWarp prst="textNoShape">
+              <a:avLst/>
+            </a:prstTxWarp>
+            <a:spAutoFit/>
+          </a:bodyPr>
+          <a:lstStyle/>
+          <a:p>
+            <a:pPr marL="0" marR="0" lvl="0" indent="0" algn="l" defTabSz="914400" rtl="0" eaLnBrk="0" fontAlgn="base" latinLnBrk="0" hangingPunct="0">
+              <a:lnSpc>
+                <a:spcPct val="100000"/>
+              </a:lnSpc>
+              <a:spcBef>
+                <a:spcPct val="0"/>
+              </a:spcBef>
+              <a:spcAft>
+                <a:spcPct val="0"/>
+              </a:spcAft>
+              <a:buClrTx/>
+              <a:buSzTx/>
+              <a:buFontTx/>
+              <a:buNone/>
+              <a:tabLst/>
+            </a:pPr>
+            <a:endParaRPr kumimoji="0" lang="en-US" altLang="en-US" sz="1800" b="0" i="0" u="none" strike="noStrike" cap="none" normalizeH="0" baseline="0" dirty="0">
+              <a:ln>
+                <a:noFill/>
+              </a:ln>
+              <a:solidFill>
+                <a:schemeClr val="tx1"/>
+              </a:solidFill>
+              <a:effectLst/>
+              <a:latin typeface="Arial" panose="020B0604020202020204" pitchFamily="34" charset="0"/>
+            </a:endParaRPr>
+          </a:p>
+          <a:p>
+            <a:pPr marL="0" marR="0" lvl="0" indent="0" algn="l" defTabSz="914400" rtl="0" eaLnBrk="0" fontAlgn="base" latinLnBrk="0" hangingPunct="0">
+              <a:lnSpc>
+                <a:spcPct val="100000"/>
+              </a:lnSpc>
+              <a:spcBef>
+                <a:spcPct val="0"/>
+              </a:spcBef>
+              <a:spcAft>
+                <a:spcPct val="0"/>
+              </a:spcAft>
+              <a:buClrTx/>
+              <a:buSzTx/>
+              <a:buFontTx/>
+              <a:buAutoNum type="arabicPeriod"/>
+              <a:tabLst/>
+            </a:pPr>
+            <a:r>
+              <a:rPr kumimoji="0" lang="en-US" altLang="en-US" sz="1200" b="0" i="0" u="none" strike="noStrike" cap="none" normalizeH="0" baseline="0" dirty="0">
+                <a:ln>
+                  <a:noFill/>
+                </a:ln>
+                <a:solidFill>
+                  <a:srgbClr val="24292E"/>
+                </a:solidFill>
+                <a:effectLst/>
+                <a:latin typeface="-apple-system"/>
+              </a:rPr>
+              <a:t>cd to project directory in your local</a:t>
+            </a:r>
+          </a:p>
+          <a:p>
+            <a:pPr marL="0" marR="0" lvl="0" indent="0" algn="l" defTabSz="914400" rtl="0" eaLnBrk="0" fontAlgn="base" latinLnBrk="0" hangingPunct="0">
+              <a:lnSpc>
+                <a:spcPct val="100000"/>
+              </a:lnSpc>
+              <a:spcBef>
+                <a:spcPct val="0"/>
+              </a:spcBef>
+              <a:spcAft>
+                <a:spcPct val="0"/>
+              </a:spcAft>
+              <a:buClrTx/>
+              <a:buSzTx/>
+              <a:buNone/>
+              <a:tabLst/>
+            </a:pPr>
+            <a:endParaRPr kumimoji="0" lang="en-US" altLang="en-US" sz="1200" b="0" i="0" u="none" strike="noStrike" cap="none" normalizeH="0" baseline="0" dirty="0">
+              <a:ln>
+                <a:noFill/>
+              </a:ln>
+              <a:solidFill>
+                <a:srgbClr val="24292E"/>
+              </a:solidFill>
+              <a:effectLst/>
+              <a:latin typeface="-apple-system"/>
+            </a:endParaRPr>
+          </a:p>
+          <a:p>
+            <a:pPr marL="0" marR="0" lvl="0" indent="0" algn="l" defTabSz="914400" rtl="0" eaLnBrk="0" fontAlgn="base" latinLnBrk="0" hangingPunct="0">
+              <a:lnSpc>
+                <a:spcPct val="100000"/>
+              </a:lnSpc>
+              <a:spcBef>
+                <a:spcPct val="0"/>
+              </a:spcBef>
+              <a:spcAft>
+                <a:spcPct val="0"/>
+              </a:spcAft>
+              <a:buClrTx/>
+              <a:buSzTx/>
+              <a:buFontTx/>
+              <a:buAutoNum type="arabicPeriod" startAt="2"/>
+              <a:tabLst/>
+            </a:pPr>
+            <a:r>
+              <a:rPr kumimoji="0" lang="en-US" altLang="en-US" sz="1200" b="0" i="0" u="none" strike="noStrike" cap="none" normalizeH="0" baseline="0" dirty="0">
+                <a:ln>
+                  <a:noFill/>
+                </a:ln>
+                <a:solidFill>
+                  <a:srgbClr val="24292E"/>
+                </a:solidFill>
+                <a:effectLst/>
+                <a:latin typeface="-apple-system"/>
+              </a:rPr>
+              <a:t>run command: gradlew.bat clean eclipse build</a:t>
+            </a:r>
+          </a:p>
+          <a:p>
+            <a:pPr marL="0" marR="0" lvl="0" indent="0" algn="l" defTabSz="914400" rtl="0" eaLnBrk="0" fontAlgn="base" latinLnBrk="0" hangingPunct="0">
+              <a:lnSpc>
+                <a:spcPct val="100000"/>
+              </a:lnSpc>
+              <a:spcBef>
+                <a:spcPct val="0"/>
+              </a:spcBef>
+              <a:spcAft>
+                <a:spcPct val="0"/>
+              </a:spcAft>
+              <a:buClrTx/>
+              <a:buSzTx/>
+              <a:buFontTx/>
+              <a:buAutoNum type="arabicPeriod" startAt="3"/>
+              <a:tabLst/>
+            </a:pPr>
+            <a:endParaRPr kumimoji="0" lang="en-US" altLang="en-US" sz="1200" b="0" i="0" u="none" strike="noStrike" cap="none" normalizeH="0" baseline="0" dirty="0">
+              <a:ln>
+                <a:noFill/>
+              </a:ln>
+              <a:solidFill>
+                <a:srgbClr val="24292E"/>
+              </a:solidFill>
+              <a:effectLst/>
+              <a:latin typeface="-apple-system"/>
+            </a:endParaRPr>
+          </a:p>
+          <a:p>
+            <a:pPr marL="0" marR="0" lvl="0" indent="0" algn="l" defTabSz="914400" rtl="0" eaLnBrk="0" fontAlgn="base" latinLnBrk="0" hangingPunct="0">
+              <a:lnSpc>
+                <a:spcPct val="100000"/>
+              </a:lnSpc>
+              <a:spcBef>
+                <a:spcPct val="0"/>
+              </a:spcBef>
+              <a:spcAft>
+                <a:spcPct val="0"/>
+              </a:spcAft>
+              <a:buClrTx/>
+              <a:buSzTx/>
+              <a:buFontTx/>
+              <a:buAutoNum type="arabicPeriod" startAt="3"/>
+              <a:tabLst/>
+            </a:pPr>
+            <a:r>
+              <a:rPr kumimoji="0" lang="en-US" altLang="en-US" sz="1200" b="0" i="0" u="none" strike="noStrike" cap="none" normalizeH="0" baseline="0" dirty="0">
+                <a:ln>
+                  <a:noFill/>
+                </a:ln>
+                <a:solidFill>
+                  <a:srgbClr val="24292E"/>
+                </a:solidFill>
+                <a:effectLst/>
+                <a:latin typeface="-apple-system"/>
+              </a:rPr>
+              <a:t>cd build/libs</a:t>
+            </a:r>
+          </a:p>
+          <a:p>
+            <a:pPr marL="0" marR="0" lvl="0" indent="0" algn="l" defTabSz="914400" rtl="0" eaLnBrk="0" fontAlgn="base" latinLnBrk="0" hangingPunct="0">
+              <a:lnSpc>
+                <a:spcPct val="100000"/>
+              </a:lnSpc>
+              <a:spcBef>
+                <a:spcPct val="0"/>
+              </a:spcBef>
+              <a:spcAft>
+                <a:spcPct val="0"/>
+              </a:spcAft>
+              <a:buClrTx/>
+              <a:buSzTx/>
+              <a:buFontTx/>
+              <a:buAutoNum type="arabicPeriod" startAt="4"/>
+              <a:tabLst/>
+            </a:pPr>
+            <a:endParaRPr kumimoji="0" lang="en-US" altLang="en-US" sz="1200" b="0" i="0" u="none" strike="noStrike" cap="none" normalizeH="0" baseline="0" dirty="0">
+              <a:ln>
+                <a:noFill/>
+              </a:ln>
+              <a:solidFill>
+                <a:srgbClr val="24292E"/>
+              </a:solidFill>
+              <a:effectLst/>
+              <a:latin typeface="-apple-system"/>
+            </a:endParaRPr>
+          </a:p>
+          <a:p>
+            <a:pPr marL="0" marR="0" lvl="0" indent="0" algn="l" defTabSz="914400" rtl="0" eaLnBrk="0" fontAlgn="base" latinLnBrk="0" hangingPunct="0">
+              <a:lnSpc>
+                <a:spcPct val="100000"/>
+              </a:lnSpc>
+              <a:spcBef>
+                <a:spcPct val="0"/>
+              </a:spcBef>
+              <a:spcAft>
+                <a:spcPct val="0"/>
+              </a:spcAft>
+              <a:buClrTx/>
+              <a:buSzTx/>
+              <a:buFontTx/>
+              <a:buAutoNum type="arabicPeriod" startAt="4"/>
+              <a:tabLst/>
+            </a:pPr>
+            <a:r>
+              <a:rPr kumimoji="0" lang="en-US" altLang="en-US" sz="1200" b="0" i="0" u="none" strike="noStrike" cap="none" normalizeH="0" baseline="0" dirty="0">
+                <a:ln>
+                  <a:noFill/>
+                </a:ln>
+                <a:solidFill>
+                  <a:srgbClr val="24292E"/>
+                </a:solidFill>
+                <a:effectLst/>
+                <a:latin typeface="-apple-system"/>
+              </a:rPr>
+              <a:t>copy application jar to production using below command: </a:t>
+            </a:r>
+            <a:r>
+              <a:rPr kumimoji="0" lang="en-US" altLang="en-US" sz="1200" b="0" i="0" u="none" strike="noStrike" cap="none" normalizeH="0" baseline="0" dirty="0" err="1">
+                <a:ln>
+                  <a:noFill/>
+                </a:ln>
+                <a:solidFill>
+                  <a:srgbClr val="24292E"/>
+                </a:solidFill>
+                <a:effectLst/>
+                <a:latin typeface="-apple-system"/>
+              </a:rPr>
+              <a:t>scp</a:t>
+            </a:r>
+            <a:r>
+              <a:rPr kumimoji="0" lang="en-US" altLang="en-US" sz="1200" b="0" i="0" u="none" strike="noStrike" cap="none" normalizeH="0" baseline="0" dirty="0">
+                <a:ln>
+                  <a:noFill/>
+                </a:ln>
+                <a:solidFill>
+                  <a:srgbClr val="24292E"/>
+                </a:solidFill>
+                <a:effectLst/>
+                <a:latin typeface="-apple-system"/>
+              </a:rPr>
+              <a:t> -r item-tagsub-0.0.1.jar ii00wl@phvgpru7:/apps/scope/custom-apps/tag-subscription</a:t>
+            </a:r>
+          </a:p>
+          <a:p>
+            <a:pPr marL="0" marR="0" lvl="0" indent="0" algn="l" defTabSz="914400" rtl="0" eaLnBrk="0" fontAlgn="base" latinLnBrk="0" hangingPunct="0">
+              <a:lnSpc>
+                <a:spcPct val="100000"/>
+              </a:lnSpc>
+              <a:spcBef>
+                <a:spcPct val="0"/>
+              </a:spcBef>
+              <a:spcAft>
+                <a:spcPct val="0"/>
+              </a:spcAft>
+              <a:buClrTx/>
+              <a:buSzTx/>
+              <a:buFontTx/>
+              <a:buAutoNum type="arabicPeriod" startAt="5"/>
+              <a:tabLst/>
+            </a:pPr>
+            <a:endParaRPr kumimoji="0" lang="en-US" altLang="en-US" sz="1200" b="0" i="0" u="none" strike="noStrike" cap="none" normalizeH="0" baseline="0" dirty="0">
+              <a:ln>
+                <a:noFill/>
+              </a:ln>
+              <a:solidFill>
+                <a:srgbClr val="24292E"/>
+              </a:solidFill>
+              <a:effectLst/>
+              <a:latin typeface="-apple-system"/>
+            </a:endParaRPr>
+          </a:p>
+          <a:p>
+            <a:pPr marL="0" marR="0" lvl="0" indent="0" algn="l" defTabSz="914400" rtl="0" eaLnBrk="0" fontAlgn="base" latinLnBrk="0" hangingPunct="0">
+              <a:lnSpc>
+                <a:spcPct val="100000"/>
+              </a:lnSpc>
+              <a:spcBef>
+                <a:spcPct val="0"/>
+              </a:spcBef>
+              <a:spcAft>
+                <a:spcPct val="0"/>
+              </a:spcAft>
+              <a:buClrTx/>
+              <a:buSzTx/>
+              <a:buFontTx/>
+              <a:buAutoNum type="arabicPeriod" startAt="5"/>
+              <a:tabLst/>
+            </a:pPr>
+            <a:r>
+              <a:rPr kumimoji="0" lang="en-US" altLang="en-US" sz="1200" b="0" i="0" u="none" strike="noStrike" cap="none" normalizeH="0" baseline="0" dirty="0">
+                <a:ln>
+                  <a:noFill/>
+                </a:ln>
+                <a:solidFill>
+                  <a:srgbClr val="24292E"/>
+                </a:solidFill>
+                <a:effectLst/>
+                <a:latin typeface="-apple-system"/>
+              </a:rPr>
+              <a:t>Now </a:t>
+            </a:r>
+            <a:r>
+              <a:rPr kumimoji="0" lang="en-US" altLang="en-US" sz="1200" b="0" i="0" u="none" strike="noStrike" cap="none" normalizeH="0" baseline="0" dirty="0" err="1">
+                <a:ln>
+                  <a:noFill/>
+                </a:ln>
+                <a:solidFill>
+                  <a:srgbClr val="24292E"/>
+                </a:solidFill>
+                <a:effectLst/>
+                <a:latin typeface="-apple-system"/>
+              </a:rPr>
+              <a:t>ssh</a:t>
+            </a:r>
+            <a:r>
+              <a:rPr kumimoji="0" lang="en-US" altLang="en-US" sz="1200" b="0" i="0" u="none" strike="noStrike" cap="none" normalizeH="0" baseline="0" dirty="0">
+                <a:ln>
+                  <a:noFill/>
+                </a:ln>
+                <a:solidFill>
+                  <a:srgbClr val="24292E"/>
+                </a:solidFill>
+                <a:effectLst/>
+                <a:latin typeface="-apple-system"/>
+              </a:rPr>
+              <a:t> to production box, and cd /apps/scope/custom-apps/tag-subscription</a:t>
+            </a:r>
+          </a:p>
+          <a:p>
+            <a:pPr marL="0" marR="0" lvl="0" indent="0" algn="l" defTabSz="914400" rtl="0" eaLnBrk="0" fontAlgn="base" latinLnBrk="0" hangingPunct="0">
+              <a:lnSpc>
+                <a:spcPct val="100000"/>
+              </a:lnSpc>
+              <a:spcBef>
+                <a:spcPct val="0"/>
+              </a:spcBef>
+              <a:spcAft>
+                <a:spcPct val="0"/>
+              </a:spcAft>
+              <a:buClrTx/>
+              <a:buSzTx/>
+              <a:buFontTx/>
+              <a:buAutoNum type="arabicPeriod" startAt="6"/>
+              <a:tabLst/>
+            </a:pPr>
+            <a:endParaRPr kumimoji="0" lang="en-US" altLang="en-US" sz="1200" b="0" i="0" u="none" strike="noStrike" cap="none" normalizeH="0" baseline="0" dirty="0">
+              <a:ln>
+                <a:noFill/>
+              </a:ln>
+              <a:solidFill>
+                <a:srgbClr val="24292E"/>
+              </a:solidFill>
+              <a:effectLst/>
+              <a:latin typeface="-apple-system"/>
+            </a:endParaRPr>
+          </a:p>
+          <a:p>
+            <a:pPr marL="0" marR="0" lvl="0" indent="0" algn="l" defTabSz="914400" rtl="0" eaLnBrk="0" fontAlgn="base" latinLnBrk="0" hangingPunct="0">
+              <a:lnSpc>
+                <a:spcPct val="100000"/>
+              </a:lnSpc>
+              <a:spcBef>
+                <a:spcPct val="0"/>
+              </a:spcBef>
+              <a:spcAft>
+                <a:spcPct val="0"/>
+              </a:spcAft>
+              <a:buClrTx/>
+              <a:buSzTx/>
+              <a:buFontTx/>
+              <a:buAutoNum type="arabicPeriod" startAt="6"/>
+              <a:tabLst/>
+            </a:pPr>
+            <a:r>
+              <a:rPr kumimoji="0" lang="en-US" altLang="en-US" sz="1200" b="0" i="0" u="none" strike="noStrike" cap="none" normalizeH="0" baseline="0" dirty="0">
+                <a:ln>
+                  <a:noFill/>
+                </a:ln>
+                <a:solidFill>
+                  <a:srgbClr val="24292E"/>
+                </a:solidFill>
+                <a:effectLst/>
+                <a:latin typeface="-apple-system"/>
+              </a:rPr>
+              <a:t>Kill previous process of running jar from shell : </a:t>
+            </a:r>
+            <a:r>
+              <a:rPr kumimoji="0" lang="en-US" altLang="en-US" sz="1200" b="0" i="0" u="none" strike="noStrike" cap="none" normalizeH="0" baseline="0" dirty="0" err="1">
+                <a:ln>
+                  <a:noFill/>
+                </a:ln>
+                <a:solidFill>
+                  <a:srgbClr val="24292E"/>
+                </a:solidFill>
+                <a:effectLst/>
+                <a:latin typeface="-apple-system"/>
+              </a:rPr>
+              <a:t>jps</a:t>
+            </a:r>
+            <a:r>
+              <a:rPr kumimoji="0" lang="en-US" altLang="en-US" sz="1200" b="0" i="0" u="none" strike="noStrike" cap="none" normalizeH="0" baseline="0" dirty="0">
+                <a:ln>
+                  <a:noFill/>
+                </a:ln>
+                <a:solidFill>
+                  <a:srgbClr val="24292E"/>
+                </a:solidFill>
+                <a:effectLst/>
+                <a:latin typeface="-apple-system"/>
+              </a:rPr>
+              <a:t> -l</a:t>
+            </a:r>
+          </a:p>
+          <a:p>
+            <a:pPr marL="0" marR="0" lvl="0" indent="0" algn="l" defTabSz="914400" rtl="0" eaLnBrk="0" fontAlgn="base" latinLnBrk="0" hangingPunct="0">
+              <a:lnSpc>
+                <a:spcPct val="100000"/>
+              </a:lnSpc>
+              <a:spcBef>
+                <a:spcPct val="0"/>
+              </a:spcBef>
+              <a:spcAft>
+                <a:spcPct val="0"/>
+              </a:spcAft>
+              <a:buClrTx/>
+              <a:buSzTx/>
+              <a:buFontTx/>
+              <a:buNone/>
+              <a:tabLst/>
+            </a:pPr>
+            <a:r>
+              <a:rPr kumimoji="0" lang="en-US" altLang="en-US" sz="900" b="0" i="0" u="none" strike="noStrike" cap="none" normalizeH="0" baseline="0" dirty="0">
+                <a:ln>
+                  <a:noFill/>
+                </a:ln>
+                <a:solidFill>
+                  <a:srgbClr val="24292E"/>
+                </a:solidFill>
+                <a:effectLst/>
+                <a:latin typeface="SFMono-Regular"/>
+              </a:rPr>
+              <a:t>[ii00wl@phvgpru7 tag-subscription]$ </a:t>
+            </a:r>
+            <a:r>
+              <a:rPr kumimoji="0" lang="en-US" altLang="en-US" sz="900" b="0" i="0" u="none" strike="noStrike" cap="none" normalizeH="0" baseline="0" dirty="0" err="1">
+                <a:ln>
+                  <a:noFill/>
+                </a:ln>
+                <a:solidFill>
+                  <a:srgbClr val="24292E"/>
+                </a:solidFill>
+                <a:effectLst/>
+                <a:latin typeface="SFMono-Regular"/>
+              </a:rPr>
+              <a:t>jps</a:t>
+            </a:r>
+            <a:r>
+              <a:rPr kumimoji="0" lang="en-US" altLang="en-US" sz="900" b="0" i="0" u="none" strike="noStrike" cap="none" normalizeH="0" baseline="0" dirty="0">
+                <a:ln>
+                  <a:noFill/>
+                </a:ln>
+                <a:solidFill>
+                  <a:srgbClr val="24292E"/>
+                </a:solidFill>
+                <a:effectLst/>
+                <a:latin typeface="SFMono-Regular"/>
+              </a:rPr>
+              <a:t> -l 16034</a:t>
+            </a:r>
+          </a:p>
+          <a:p>
+            <a:pPr marL="0" marR="0" lvl="0" indent="0" algn="l" defTabSz="914400" rtl="0" eaLnBrk="0" fontAlgn="base" latinLnBrk="0" hangingPunct="0">
+              <a:lnSpc>
+                <a:spcPct val="100000"/>
+              </a:lnSpc>
+              <a:spcBef>
+                <a:spcPct val="0"/>
+              </a:spcBef>
+              <a:spcAft>
+                <a:spcPct val="0"/>
+              </a:spcAft>
+              <a:buClrTx/>
+              <a:buSzTx/>
+              <a:buFontTx/>
+              <a:buNone/>
+              <a:tabLst/>
+            </a:pPr>
+            <a:r>
+              <a:rPr kumimoji="0" lang="en-US" altLang="en-US" sz="900" b="0" i="0" u="none" strike="noStrike" cap="none" normalizeH="0" baseline="0" dirty="0">
+                <a:ln>
+                  <a:noFill/>
+                </a:ln>
+                <a:solidFill>
+                  <a:srgbClr val="24292E"/>
+                </a:solidFill>
+                <a:effectLst/>
+                <a:latin typeface="SFMono-Regular"/>
+              </a:rPr>
+              <a:t> /apps/scope/mmc-workspace/sd2-tools/lib/remoting-2.34.jar</a:t>
+            </a:r>
+          </a:p>
+          <a:p>
+            <a:pPr marL="0" marR="0" lvl="0" indent="0" algn="l" defTabSz="914400" rtl="0" eaLnBrk="0" fontAlgn="base" latinLnBrk="0" hangingPunct="0">
+              <a:lnSpc>
+                <a:spcPct val="100000"/>
+              </a:lnSpc>
+              <a:spcBef>
+                <a:spcPct val="0"/>
+              </a:spcBef>
+              <a:spcAft>
+                <a:spcPct val="0"/>
+              </a:spcAft>
+              <a:buClrTx/>
+              <a:buSzTx/>
+              <a:buFontTx/>
+              <a:buNone/>
+              <a:tabLst/>
+            </a:pPr>
+            <a:r>
+              <a:rPr kumimoji="0" lang="en-US" altLang="en-US" sz="900" b="0" i="0" u="none" strike="noStrike" cap="none" normalizeH="0" baseline="0" dirty="0">
+                <a:ln>
+                  <a:noFill/>
+                </a:ln>
+                <a:solidFill>
+                  <a:srgbClr val="24292E"/>
+                </a:solidFill>
+                <a:effectLst/>
+                <a:latin typeface="SFMono-Regular"/>
+              </a:rPr>
+              <a:t> 20195 </a:t>
+            </a:r>
+            <a:r>
+              <a:rPr kumimoji="0" lang="en-US" altLang="en-US" sz="900" b="0" i="0" u="none" strike="noStrike" cap="none" normalizeH="0" baseline="0" dirty="0" err="1">
+                <a:ln>
+                  <a:noFill/>
+                </a:ln>
+                <a:solidFill>
+                  <a:srgbClr val="24292E"/>
+                </a:solidFill>
+                <a:effectLst/>
+                <a:latin typeface="SFMono-Regular"/>
+              </a:rPr>
+              <a:t>sun.tools.jps.Jps</a:t>
+            </a:r>
+            <a:r>
+              <a:rPr kumimoji="0" lang="en-US" altLang="en-US" sz="900" b="0" i="0" u="none" strike="noStrike" cap="none" normalizeH="0" baseline="0" dirty="0">
+                <a:ln>
+                  <a:noFill/>
+                </a:ln>
+                <a:solidFill>
+                  <a:srgbClr val="24292E"/>
+                </a:solidFill>
+                <a:effectLst/>
+                <a:latin typeface="SFMono-Regular"/>
+              </a:rPr>
+              <a:t> 17867 item-tagsub-0.0.1.jar</a:t>
+            </a:r>
+          </a:p>
+          <a:p>
+            <a:pPr marL="0" marR="0" lvl="0" indent="0" algn="l" defTabSz="914400" rtl="0" eaLnBrk="0" fontAlgn="base" latinLnBrk="0" hangingPunct="0">
+              <a:lnSpc>
+                <a:spcPct val="100000"/>
+              </a:lnSpc>
+              <a:spcBef>
+                <a:spcPct val="0"/>
+              </a:spcBef>
+              <a:spcAft>
+                <a:spcPct val="0"/>
+              </a:spcAft>
+              <a:buClrTx/>
+              <a:buSzTx/>
+              <a:buFontTx/>
+              <a:buNone/>
+              <a:tabLst/>
+            </a:pPr>
+            <a:endParaRPr kumimoji="0" lang="en-US" altLang="en-US" sz="1200" b="0" i="0" u="none" strike="noStrike" cap="none" normalizeH="0" baseline="0" dirty="0">
+              <a:ln>
+                <a:noFill/>
+              </a:ln>
+              <a:solidFill>
+                <a:srgbClr val="24292E"/>
+              </a:solidFill>
+              <a:effectLst/>
+              <a:latin typeface="-apple-system"/>
+            </a:endParaRPr>
+          </a:p>
+          <a:p>
+            <a:pPr marL="0" marR="0" lvl="0" indent="0" algn="l" defTabSz="914400" rtl="0" eaLnBrk="0" fontAlgn="base" latinLnBrk="0" hangingPunct="0">
+              <a:lnSpc>
+                <a:spcPct val="100000"/>
+              </a:lnSpc>
+              <a:spcBef>
+                <a:spcPct val="0"/>
+              </a:spcBef>
+              <a:spcAft>
+                <a:spcPct val="0"/>
+              </a:spcAft>
+              <a:buClrTx/>
+              <a:buSzTx/>
+              <a:buFontTx/>
+              <a:buNone/>
+              <a:tabLst/>
+            </a:pPr>
+            <a:r>
+              <a:rPr kumimoji="0" lang="en-US" altLang="en-US" sz="900" b="0" i="0" u="none" strike="noStrike" cap="none" normalizeH="0" baseline="0" dirty="0">
+                <a:ln>
+                  <a:noFill/>
+                </a:ln>
+                <a:solidFill>
+                  <a:srgbClr val="24292E"/>
+                </a:solidFill>
+                <a:effectLst/>
+                <a:latin typeface="SFMono-Regular"/>
+              </a:rPr>
+              <a:t>Then kill 17867 [example]</a:t>
+            </a:r>
+          </a:p>
+          <a:p>
+            <a:pPr marL="0" marR="0" lvl="0" indent="0" algn="l" defTabSz="914400" rtl="0" eaLnBrk="0" fontAlgn="base" latinLnBrk="0" hangingPunct="0">
+              <a:lnSpc>
+                <a:spcPct val="100000"/>
+              </a:lnSpc>
+              <a:spcBef>
+                <a:spcPct val="0"/>
+              </a:spcBef>
+              <a:spcAft>
+                <a:spcPct val="0"/>
+              </a:spcAft>
+              <a:buClrTx/>
+              <a:buSzTx/>
+              <a:buFontTx/>
+              <a:buNone/>
+              <a:tabLst/>
+            </a:pPr>
+            <a:r>
+              <a:rPr kumimoji="0" lang="en-US" altLang="en-US" sz="900" b="0" i="0" u="none" strike="noStrike" cap="none" normalizeH="0" baseline="0" dirty="0">
+                <a:ln>
+                  <a:noFill/>
+                </a:ln>
+                <a:solidFill>
+                  <a:srgbClr val="24292E"/>
+                </a:solidFill>
+                <a:effectLst/>
+                <a:latin typeface="SFMono-Regular"/>
+              </a:rPr>
+              <a:t> kill -9 17867</a:t>
+            </a:r>
+            <a:endParaRPr kumimoji="0" lang="en-US" altLang="en-US" sz="1200" b="0" i="0" u="none" strike="noStrike" cap="none" normalizeH="0" baseline="0" dirty="0">
+              <a:ln>
+                <a:noFill/>
+              </a:ln>
+              <a:solidFill>
+                <a:srgbClr val="24292E"/>
+              </a:solidFill>
+              <a:effectLst/>
+              <a:latin typeface="-apple-system"/>
+            </a:endParaRPr>
+          </a:p>
+          <a:p>
+            <a:pPr marL="0" marR="0" lvl="0" indent="0" algn="l" defTabSz="914400" rtl="0" eaLnBrk="0" fontAlgn="base" latinLnBrk="0" hangingPunct="0">
+              <a:lnSpc>
+                <a:spcPct val="100000"/>
+              </a:lnSpc>
+              <a:spcBef>
+                <a:spcPct val="0"/>
+              </a:spcBef>
+              <a:spcAft>
+                <a:spcPct val="0"/>
+              </a:spcAft>
+              <a:buClrTx/>
+              <a:buSzTx/>
+              <a:buFontTx/>
+              <a:buAutoNum type="arabicPeriod" startAt="7"/>
+              <a:tabLst/>
+            </a:pPr>
+            <a:endParaRPr kumimoji="0" lang="en-US" altLang="en-US" sz="1200" b="0" i="0" u="none" strike="noStrike" cap="none" normalizeH="0" baseline="0" dirty="0">
+              <a:ln>
+                <a:noFill/>
+              </a:ln>
+              <a:solidFill>
+                <a:srgbClr val="24292E"/>
+              </a:solidFill>
+              <a:effectLst/>
+              <a:latin typeface="-apple-system"/>
+            </a:endParaRPr>
+          </a:p>
+          <a:p>
+            <a:pPr marL="0" marR="0" lvl="0" indent="0" algn="l" defTabSz="914400" rtl="0" eaLnBrk="0" fontAlgn="base" latinLnBrk="0" hangingPunct="0">
+              <a:lnSpc>
+                <a:spcPct val="100000"/>
+              </a:lnSpc>
+              <a:spcBef>
+                <a:spcPct val="0"/>
+              </a:spcBef>
+              <a:spcAft>
+                <a:spcPct val="0"/>
+              </a:spcAft>
+              <a:buClrTx/>
+              <a:buSzTx/>
+              <a:buFontTx/>
+              <a:buAutoNum type="arabicPeriod" startAt="7"/>
+              <a:tabLst/>
+            </a:pPr>
+            <a:r>
+              <a:rPr kumimoji="0" lang="en-US" altLang="en-US" sz="1200" b="0" i="0" u="none" strike="noStrike" cap="none" normalizeH="0" baseline="0" dirty="0">
+                <a:ln>
+                  <a:noFill/>
+                </a:ln>
+                <a:solidFill>
+                  <a:srgbClr val="24292E"/>
+                </a:solidFill>
+                <a:effectLst/>
+                <a:latin typeface="-apple-system"/>
+              </a:rPr>
+              <a:t>run command to start application using below command: </a:t>
+            </a:r>
+            <a:r>
+              <a:rPr kumimoji="0" lang="en-US" altLang="en-US" sz="1200" b="0" i="0" u="none" strike="noStrike" cap="none" normalizeH="0" baseline="0" dirty="0" err="1">
+                <a:ln>
+                  <a:noFill/>
+                </a:ln>
+                <a:solidFill>
+                  <a:srgbClr val="24292E"/>
+                </a:solidFill>
+                <a:effectLst/>
+                <a:latin typeface="-apple-system"/>
+              </a:rPr>
+              <a:t>nohup</a:t>
+            </a:r>
+            <a:r>
+              <a:rPr kumimoji="0" lang="en-US" altLang="en-US" sz="1200" b="0" i="0" u="none" strike="noStrike" cap="none" normalizeH="0" baseline="0" dirty="0">
+                <a:ln>
+                  <a:noFill/>
+                </a:ln>
+                <a:solidFill>
+                  <a:srgbClr val="24292E"/>
+                </a:solidFill>
+                <a:effectLst/>
+                <a:latin typeface="-apple-system"/>
+              </a:rPr>
+              <a:t> java -jar item-tagsub-0.0.1.jar &amp;</a:t>
+            </a:r>
+          </a:p>
+          <a:p>
+            <a:pPr marL="0" marR="0" lvl="0" indent="0" algn="l" defTabSz="914400" rtl="0" eaLnBrk="0" fontAlgn="base" latinLnBrk="0" hangingPunct="0">
+              <a:lnSpc>
+                <a:spcPct val="100000"/>
+              </a:lnSpc>
+              <a:spcBef>
+                <a:spcPct val="0"/>
+              </a:spcBef>
+              <a:spcAft>
+                <a:spcPct val="0"/>
+              </a:spcAft>
+              <a:buClrTx/>
+              <a:buSzTx/>
+              <a:buFontTx/>
+              <a:buNone/>
+              <a:tabLst/>
+            </a:pPr>
+            <a:endParaRPr kumimoji="0" lang="en-US" altLang="en-US" sz="1800" b="0" i="0" u="none" strike="noStrike" cap="none" normalizeH="0" baseline="0" dirty="0">
+              <a:ln>
+                <a:noFill/>
+              </a:ln>
+              <a:solidFill>
+                <a:schemeClr val="tx1"/>
+              </a:solidFill>
+              <a:effectLst/>
+              <a:latin typeface="Arial" panose="020B0604020202020204" pitchFamily="34" charset="0"/>
+            </a:endParaRPr>
+          </a:p>
+        </p:txBody>
+      </p:sp>
+    </p:spTree>
+    <p:extLst>
+      <p:ext uri="{BB962C8B-B14F-4D97-AF65-F5344CB8AC3E}">
+        <p14:creationId xmlns:p14="http://schemas.microsoft.com/office/powerpoint/2010/main" val="721192501"/>
+      </p:ext>
+    </p:extLst>
+  </p:cSld>
+  <p:clrMapOvr>
+    <a:masterClrMapping/>
+  </p:clrMapOvr>
+</p:sld>
+</file>
+
+<file path=ppt/slides/slide7.xml><?xml version="1.0" encoding="utf-8"?>
+<p:sld xmlns:a="http://schemas.openxmlformats.org/drawingml/2006/main" xmlns:r="http://schemas.openxmlformats.org/officeDocument/2006/relationships" xmlns:p="http://schemas.openxmlformats.org/presentationml/2006/main">
+  <p:cSld>
+    <p:spTree>
+      <p:nvGrpSpPr>
+        <p:cNvPr id="1" name=""/>
+        <p:cNvGrpSpPr/>
+        <p:nvPr/>
+      </p:nvGrpSpPr>
+      <p:grpSpPr>
+        <a:xfrm>
+          <a:off x="0" y="0"/>
+          <a:ext cx="0" cy="0"/>
+          <a:chOff x="0" y="0"/>
+          <a:chExt cx="0" cy="0"/>
+        </a:xfrm>
+      </p:grpSpPr>
+      <p:sp>
+        <p:nvSpPr>
+          <p:cNvPr id="2" name="Title 1">
+            <a:extLst>
+              <a:ext uri="{FF2B5EF4-FFF2-40B4-BE49-F238E27FC236}">
+                <a16:creationId xmlns:a16="http://schemas.microsoft.com/office/drawing/2014/main" id="{882665BC-E1F9-40F0-B9B0-C0986BC3A8C3}"/>
+              </a:ext>
+            </a:extLst>
+          </p:cNvPr>
+          <p:cNvSpPr>
+            <a:spLocks noGrp="1"/>
+          </p:cNvSpPr>
+          <p:nvPr>
+            <p:ph type="title"/>
+          </p:nvPr>
+        </p:nvSpPr>
+        <p:spPr/>
+        <p:txBody>
+          <a:bodyPr/>
+          <a:lstStyle/>
+          <a:p>
+            <a:r>
+              <a:rPr lang="en-US" dirty="0"/>
+              <a:t>Application Usage		</a:t>
+            </a:r>
+          </a:p>
+        </p:txBody>
+      </p:sp>
+      <p:sp>
+        <p:nvSpPr>
+          <p:cNvPr id="3" name="Content Placeholder 2">
+            <a:extLst>
+              <a:ext uri="{FF2B5EF4-FFF2-40B4-BE49-F238E27FC236}">
+                <a16:creationId xmlns:a16="http://schemas.microsoft.com/office/drawing/2014/main" id="{9275D997-B01C-4BDF-8CBA-81A39C9CC62F}"/>
+              </a:ext>
+            </a:extLst>
+          </p:cNvPr>
+          <p:cNvSpPr>
+            <a:spLocks noGrp="1"/>
+          </p:cNvSpPr>
+          <p:nvPr>
+            <p:ph idx="1"/>
+          </p:nvPr>
+        </p:nvSpPr>
+        <p:spPr/>
+        <p:txBody>
+          <a:bodyPr/>
+          <a:lstStyle/>
+          <a:p>
+            <a:r>
+              <a:rPr lang="en-US" dirty="0"/>
+              <a:t>Install any Rest client. Example – Google Chrome “Advance rest client”</a:t>
+            </a:r>
+          </a:p>
+          <a:p>
+            <a:r>
+              <a:rPr lang="en-US" dirty="0"/>
+              <a:t>Execute </a:t>
+            </a:r>
+            <a:r>
+              <a:rPr lang="en-US" dirty="0" err="1"/>
+              <a:t>Url</a:t>
+            </a:r>
+            <a:r>
+              <a:rPr lang="en-US" dirty="0"/>
+              <a:t> as below get request.</a:t>
+            </a:r>
+          </a:p>
+          <a:p>
+            <a:endParaRPr lang="en-US" dirty="0"/>
+          </a:p>
+        </p:txBody>
+      </p:sp>
+      <p:pic>
+        <p:nvPicPr>
+          <p:cNvPr id="4" name="Picture 3">
+            <a:extLst>
+              <a:ext uri="{FF2B5EF4-FFF2-40B4-BE49-F238E27FC236}">
+                <a16:creationId xmlns:a16="http://schemas.microsoft.com/office/drawing/2014/main" id="{FCE685E4-5A3F-468E-B46A-C841CDB779E6}"/>
+              </a:ext>
+            </a:extLst>
+          </p:cNvPr>
+          <p:cNvPicPr>
+            <a:picLocks noChangeAspect="1"/>
+          </p:cNvPicPr>
+          <p:nvPr/>
+        </p:nvPicPr>
+        <p:blipFill>
+          <a:blip r:embed="rId2"/>
+          <a:stretch>
+            <a:fillRect/>
+          </a:stretch>
+        </p:blipFill>
+        <p:spPr>
+          <a:xfrm>
+            <a:off x="838200" y="2875455"/>
+            <a:ext cx="11115261" cy="2882881"/>
+          </a:xfrm>
+          <a:prstGeom prst="rect">
+            <a:avLst/>
+          </a:prstGeom>
+        </p:spPr>
+      </p:pic>
+    </p:spTree>
+    <p:extLst>
+      <p:ext uri="{BB962C8B-B14F-4D97-AF65-F5344CB8AC3E}">
+        <p14:creationId xmlns:p14="http://schemas.microsoft.com/office/powerpoint/2010/main" val="3317173870"/>
       </p:ext>
     </p:extLst>
   </p:cSld>

--- a/data/tag/Tag-subscription-Presentation.pptx
+++ b/data/tag/Tag-subscription-Presentation.pptx
@@ -3941,18 +3941,19 @@
           </a:p>
           <a:p>
             <a:r>
-              <a:rPr lang="en-US" dirty="0">
+              <a:rPr lang="en-US">
                 <a:hlinkClick r:id="rId3"/>
               </a:rPr>
-              <a:t>https://github.com/ebhun851/tag-subscription/blob/master/README.adoc</a:t>
+              <a:t>https://github.com/ebhun00/item-tag-subscription/blob/master/README.adoc</a:t>
+            </a:r>
+            <a:endParaRPr lang="en-US"/>
+          </a:p>
+          <a:p>
+            <a:r>
+              <a:rPr lang="en-US"/>
+              <a:t> </a:t>
             </a:r>
             <a:endParaRPr lang="en-US" dirty="0"/>
-          </a:p>
-          <a:p>
-            <a:r>
-              <a:rPr lang="en-US" dirty="0"/>
-              <a:t> </a:t>
-            </a:r>
           </a:p>
         </p:txBody>
       </p:sp>
